--- a/lecture-materials/0-aws-overview/intro.pptx
+++ b/lecture-materials/0-aws-overview/intro.pptx
@@ -5,34 +5,35 @@
     <p:sldMasterId id="2147483660" r:id="rId1"/>
   </p:sldMasterIdLst>
   <p:notesMasterIdLst>
-    <p:notesMasterId r:id="rId12"/>
+    <p:notesMasterId r:id="rId13"/>
   </p:notesMasterIdLst>
   <p:sldIdLst>
     <p:sldId id="256" r:id="rId2"/>
-    <p:sldId id="257" r:id="rId3"/>
-    <p:sldId id="258" r:id="rId4"/>
-    <p:sldId id="259" r:id="rId5"/>
-    <p:sldId id="260" r:id="rId6"/>
-    <p:sldId id="261" r:id="rId7"/>
-    <p:sldId id="262" r:id="rId8"/>
-    <p:sldId id="263" r:id="rId9"/>
-    <p:sldId id="264" r:id="rId10"/>
-    <p:sldId id="265" r:id="rId11"/>
+    <p:sldId id="266" r:id="rId3"/>
+    <p:sldId id="257" r:id="rId4"/>
+    <p:sldId id="258" r:id="rId5"/>
+    <p:sldId id="259" r:id="rId6"/>
+    <p:sldId id="260" r:id="rId7"/>
+    <p:sldId id="261" r:id="rId8"/>
+    <p:sldId id="262" r:id="rId9"/>
+    <p:sldId id="263" r:id="rId10"/>
+    <p:sldId id="264" r:id="rId11"/>
+    <p:sldId id="265" r:id="rId12"/>
   </p:sldIdLst>
   <p:sldSz cx="9144000" cy="5143500" type="screen16x9"/>
   <p:notesSz cx="6858000" cy="9144000"/>
   <p:embeddedFontLst>
     <p:embeddedFont>
       <p:font typeface="Economica" panose="02000506040000020004" pitchFamily="2" charset="77"/>
-      <p:regular r:id="rId13"/>
-      <p:bold r:id="rId14"/>
-      <p:italic r:id="rId15"/>
-      <p:boldItalic r:id="rId16"/>
+      <p:regular r:id="rId14"/>
+      <p:bold r:id="rId15"/>
+      <p:italic r:id="rId16"/>
+      <p:boldItalic r:id="rId17"/>
     </p:embeddedFont>
     <p:embeddedFont>
       <p:font typeface="Franklin Gothic Book" panose="020B0503020102020204" pitchFamily="34" charset="0"/>
-      <p:regular r:id="rId17"/>
-      <p:italic r:id="rId18"/>
+      <p:regular r:id="rId18"/>
+      <p:italic r:id="rId19"/>
     </p:embeddedFont>
   </p:embeddedFontLst>
   <p:defaultTextStyle>
@@ -1800,7 +1801,7 @@
             <a:fld id="{87DE6118-2437-4B30-8E3C-4D2BE6020583}" type="datetimeFigureOut">
               <a:rPr lang="en-US" dirty="0"/>
               <a:pPr/>
-              <a:t>11/25/23</a:t>
+              <a:t>12/3/23</a:t>
             </a:fld>
             <a:endParaRPr lang="en-US" dirty="0"/>
           </a:p>
@@ -2140,7 +2141,7 @@
           <a:p>
             <a:fld id="{87DE6118-2437-4B30-8E3C-4D2BE6020583}" type="datetimeFigureOut">
               <a:rPr lang="en-US" dirty="0"/>
-              <a:t>11/25/23</a:t>
+              <a:t>12/3/23</a:t>
             </a:fld>
             <a:endParaRPr lang="en-US" dirty="0"/>
           </a:p>
@@ -2330,7 +2331,7 @@
           <a:p>
             <a:fld id="{87DE6118-2437-4B30-8E3C-4D2BE6020583}" type="datetimeFigureOut">
               <a:rPr lang="en-US" dirty="0"/>
-              <a:t>11/25/23</a:t>
+              <a:t>12/3/23</a:t>
             </a:fld>
             <a:endParaRPr lang="en-US" dirty="0"/>
           </a:p>
@@ -2877,7 +2878,7 @@
           <a:p>
             <a:fld id="{87DE6118-2437-4B30-8E3C-4D2BE6020583}" type="datetimeFigureOut">
               <a:rPr lang="en-US" dirty="0"/>
-              <a:t>11/25/23</a:t>
+              <a:t>12/3/23</a:t>
             </a:fld>
             <a:endParaRPr lang="en-US" dirty="0"/>
           </a:p>
@@ -3165,7 +3166,7 @@
             <a:fld id="{87DE6118-2437-4B30-8E3C-4D2BE6020583}" type="datetimeFigureOut">
               <a:rPr lang="en-US" dirty="0"/>
               <a:pPr/>
-              <a:t>11/25/23</a:t>
+              <a:t>12/3/23</a:t>
             </a:fld>
             <a:endParaRPr lang="en-US" dirty="0"/>
           </a:p>
@@ -3569,7 +3570,7 @@
           <a:p>
             <a:fld id="{87DE6118-2437-4B30-8E3C-4D2BE6020583}" type="datetimeFigureOut">
               <a:rPr lang="en-US" dirty="0"/>
-              <a:t>11/25/23</a:t>
+              <a:t>12/3/23</a:t>
             </a:fld>
             <a:endParaRPr lang="en-US" dirty="0"/>
           </a:p>
@@ -4056,7 +4057,7 @@
           <a:p>
             <a:fld id="{87DE6118-2437-4B30-8E3C-4D2BE6020583}" type="datetimeFigureOut">
               <a:rPr lang="en-US" dirty="0"/>
-              <a:t>11/25/23</a:t>
+              <a:t>12/3/23</a:t>
             </a:fld>
             <a:endParaRPr lang="en-US" dirty="0"/>
           </a:p>
@@ -4184,7 +4185,7 @@
           <a:p>
             <a:fld id="{87DE6118-2437-4B30-8E3C-4D2BE6020583}" type="datetimeFigureOut">
               <a:rPr lang="en-US" dirty="0"/>
-              <a:t>11/25/23</a:t>
+              <a:t>12/3/23</a:t>
             </a:fld>
             <a:endParaRPr lang="en-US" dirty="0"/>
           </a:p>
@@ -4289,7 +4290,7 @@
           <a:p>
             <a:fld id="{87DE6118-2437-4B30-8E3C-4D2BE6020583}" type="datetimeFigureOut">
               <a:rPr lang="en-US" dirty="0"/>
-              <a:t>11/25/23</a:t>
+              <a:t>12/3/23</a:t>
             </a:fld>
             <a:endParaRPr lang="en-US" dirty="0"/>
           </a:p>
@@ -4645,7 +4646,7 @@
             <a:fld id="{87DE6118-2437-4B30-8E3C-4D2BE6020583}" type="datetimeFigureOut">
               <a:rPr lang="en-US" dirty="0"/>
               <a:pPr/>
-              <a:t>11/25/23</a:t>
+              <a:t>12/3/23</a:t>
             </a:fld>
             <a:endParaRPr lang="en-US" dirty="0"/>
           </a:p>
@@ -5044,7 +5045,7 @@
             <a:fld id="{87DE6118-2437-4B30-8E3C-4D2BE6020583}" type="datetimeFigureOut">
               <a:rPr lang="en-US" dirty="0"/>
               <a:pPr/>
-              <a:t>11/25/23</a:t>
+              <a:t>12/3/23</a:t>
             </a:fld>
             <a:endParaRPr lang="en-US" dirty="0"/>
           </a:p>
@@ -5333,7 +5334,7 @@
             <a:fld id="{87DE6118-2437-4B30-8E3C-4D2BE6020583}" type="datetimeFigureOut">
               <a:rPr lang="en-US" dirty="0"/>
               <a:pPr/>
-              <a:t>11/25/23</a:t>
+              <a:t>12/3/23</a:t>
             </a:fld>
             <a:endParaRPr lang="en-US" dirty="0"/>
           </a:p>
@@ -6352,6 +6353,351 @@
   <p:cSld>
     <p:spTree>
       <p:nvGrpSpPr>
+        <p:cNvPr id="1" name="Shape 111"/>
+        <p:cNvGrpSpPr/>
+        <p:nvPr/>
+      </p:nvGrpSpPr>
+      <p:grpSpPr>
+        <a:xfrm>
+          <a:off x="0" y="0"/>
+          <a:ext cx="0" cy="0"/>
+          <a:chOff x="0" y="0"/>
+          <a:chExt cx="0" cy="0"/>
+        </a:xfrm>
+      </p:grpSpPr>
+      <p:sp>
+        <p:nvSpPr>
+          <p:cNvPr id="112" name="Google Shape;112;p21"/>
+          <p:cNvSpPr txBox="1">
+            <a:spLocks noGrp="1"/>
+          </p:cNvSpPr>
+          <p:nvPr>
+            <p:ph type="title"/>
+          </p:nvPr>
+        </p:nvSpPr>
+        <p:spPr>
+          <a:xfrm>
+            <a:off x="585576" y="192325"/>
+            <a:ext cx="8246724" cy="572700"/>
+          </a:xfrm>
+          <a:prstGeom prst="rect">
+            <a:avLst/>
+          </a:prstGeom>
+        </p:spPr>
+        <p:txBody>
+          <a:bodyPr spcFirstLastPara="1" wrap="square" lIns="91425" tIns="91425" rIns="91425" bIns="91425" anchor="t" anchorCtr="0">
+            <a:normAutofit fontScale="90000"/>
+          </a:bodyPr>
+          <a:lstStyle/>
+          <a:p>
+            <a:pPr marL="0" lvl="0" indent="0" algn="l" rtl="0">
+              <a:spcBef>
+                <a:spcPts val="0"/>
+              </a:spcBef>
+              <a:spcAft>
+                <a:spcPts val="0"/>
+              </a:spcAft>
+              <a:buNone/>
+            </a:pPr>
+            <a:r>
+              <a:rPr lang="en"/>
+              <a:t>Security</a:t>
+            </a:r>
+            <a:endParaRPr/>
+          </a:p>
+        </p:txBody>
+      </p:sp>
+      <p:sp>
+        <p:nvSpPr>
+          <p:cNvPr id="113" name="Google Shape;113;p21"/>
+          <p:cNvSpPr txBox="1">
+            <a:spLocks noGrp="1"/>
+          </p:cNvSpPr>
+          <p:nvPr>
+            <p:ph type="body" idx="1"/>
+          </p:nvPr>
+        </p:nvSpPr>
+        <p:spPr>
+          <a:xfrm>
+            <a:off x="725214" y="839350"/>
+            <a:ext cx="8107086" cy="3984600"/>
+          </a:xfrm>
+          <a:prstGeom prst="rect">
+            <a:avLst/>
+          </a:prstGeom>
+        </p:spPr>
+        <p:txBody>
+          <a:bodyPr spcFirstLastPara="1" wrap="square" lIns="91425" tIns="91425" rIns="91425" bIns="91425" anchor="t" anchorCtr="0">
+            <a:noAutofit/>
+          </a:bodyPr>
+          <a:lstStyle/>
+          <a:p>
+            <a:pPr marL="0" lvl="0" indent="0" algn="l" rtl="0">
+              <a:spcBef>
+                <a:spcPts val="1100"/>
+              </a:spcBef>
+              <a:spcAft>
+                <a:spcPts val="0"/>
+              </a:spcAft>
+              <a:buNone/>
+            </a:pPr>
+            <a:r>
+              <a:rPr lang="en" sz="1200" dirty="0">
+                <a:solidFill>
+                  <a:srgbClr val="DD5540"/>
+                </a:solidFill>
+              </a:rPr>
+              <a:t>Inherited Controls</a:t>
+            </a:r>
+            <a:r>
+              <a:rPr lang="en" sz="1200" dirty="0">
+                <a:solidFill>
+                  <a:schemeClr val="dk1"/>
+                </a:solidFill>
+              </a:rPr>
+              <a:t> – Controls which a customer fully inherits from AWS.</a:t>
+            </a:r>
+            <a:endParaRPr sz="1200" dirty="0">
+              <a:solidFill>
+                <a:schemeClr val="dk1"/>
+              </a:solidFill>
+            </a:endParaRPr>
+          </a:p>
+          <a:p>
+            <a:pPr marL="482600" lvl="0" indent="-304800" algn="l" rtl="0">
+              <a:spcBef>
+                <a:spcPts val="1100"/>
+              </a:spcBef>
+              <a:spcAft>
+                <a:spcPts val="0"/>
+              </a:spcAft>
+              <a:buClr>
+                <a:schemeClr val="dk1"/>
+              </a:buClr>
+              <a:buSzPts val="1200"/>
+              <a:buChar char="●"/>
+            </a:pPr>
+            <a:r>
+              <a:rPr lang="en" sz="1200" dirty="0">
+                <a:solidFill>
+                  <a:schemeClr val="dk1"/>
+                </a:solidFill>
+              </a:rPr>
+              <a:t>Physical and Environmental controls</a:t>
+            </a:r>
+            <a:endParaRPr sz="1200" dirty="0">
+              <a:solidFill>
+                <a:schemeClr val="dk1"/>
+              </a:solidFill>
+            </a:endParaRPr>
+          </a:p>
+          <a:p>
+            <a:pPr marL="0" lvl="0" indent="0" algn="l" rtl="0">
+              <a:spcBef>
+                <a:spcPts val="1100"/>
+              </a:spcBef>
+              <a:spcAft>
+                <a:spcPts val="0"/>
+              </a:spcAft>
+              <a:buNone/>
+            </a:pPr>
+            <a:r>
+              <a:rPr lang="en" sz="1200" dirty="0">
+                <a:solidFill>
+                  <a:srgbClr val="DD5540"/>
+                </a:solidFill>
+              </a:rPr>
+              <a:t>Shared Controls</a:t>
+            </a:r>
+            <a:r>
+              <a:rPr lang="en" sz="1200" dirty="0">
+                <a:solidFill>
+                  <a:schemeClr val="dk1"/>
+                </a:solidFill>
+              </a:rPr>
+              <a:t> – Controls which apply to both the infrastructure layer and customer layers, but in completely separate contexts or perspectives. In a shared control, AWS provides the requirements for the infrastructure and the customer must provide their own control implementation within their use of AWS services. Examples include:</a:t>
+            </a:r>
+            <a:endParaRPr sz="1200" dirty="0">
+              <a:solidFill>
+                <a:schemeClr val="dk1"/>
+              </a:solidFill>
+            </a:endParaRPr>
+          </a:p>
+          <a:p>
+            <a:pPr marL="482600" lvl="0" indent="-304800" algn="l" rtl="0">
+              <a:spcBef>
+                <a:spcPts val="1100"/>
+              </a:spcBef>
+              <a:spcAft>
+                <a:spcPts val="0"/>
+              </a:spcAft>
+              <a:buClr>
+                <a:schemeClr val="dk1"/>
+              </a:buClr>
+              <a:buSzPts val="1200"/>
+              <a:buChar char="●"/>
+            </a:pPr>
+            <a:r>
+              <a:rPr lang="en" sz="1200" dirty="0">
+                <a:solidFill>
+                  <a:schemeClr val="dk1"/>
+                </a:solidFill>
+              </a:rPr>
+              <a:t>Patch Management – AWS is responsible for patching and fixing flaws within the infrastructure, but customers are responsible for patching their guest OS and applications.</a:t>
+            </a:r>
+            <a:endParaRPr sz="1200" dirty="0">
+              <a:solidFill>
+                <a:schemeClr val="dk1"/>
+              </a:solidFill>
+            </a:endParaRPr>
+          </a:p>
+          <a:p>
+            <a:pPr marL="482600" lvl="0" indent="-304800" algn="l" rtl="0">
+              <a:spcBef>
+                <a:spcPts val="0"/>
+              </a:spcBef>
+              <a:spcAft>
+                <a:spcPts val="0"/>
+              </a:spcAft>
+              <a:buClr>
+                <a:schemeClr val="dk1"/>
+              </a:buClr>
+              <a:buSzPts val="1200"/>
+              <a:buChar char="●"/>
+            </a:pPr>
+            <a:r>
+              <a:rPr lang="en" sz="1200" dirty="0">
+                <a:solidFill>
+                  <a:schemeClr val="dk1"/>
+                </a:solidFill>
+              </a:rPr>
+              <a:t>Configuration Management – AWS maintains the configuration of its infrastructure devices, but a customer is responsible for configuring their own guest operating systems, databases, and applications.</a:t>
+            </a:r>
+            <a:endParaRPr sz="1200" dirty="0">
+              <a:solidFill>
+                <a:schemeClr val="dk1"/>
+              </a:solidFill>
+            </a:endParaRPr>
+          </a:p>
+          <a:p>
+            <a:pPr marL="482600" lvl="0" indent="-304800" algn="l" rtl="0">
+              <a:spcBef>
+                <a:spcPts val="0"/>
+              </a:spcBef>
+              <a:spcAft>
+                <a:spcPts val="0"/>
+              </a:spcAft>
+              <a:buClr>
+                <a:schemeClr val="dk1"/>
+              </a:buClr>
+              <a:buSzPts val="1200"/>
+              <a:buChar char="●"/>
+            </a:pPr>
+            <a:r>
+              <a:rPr lang="en" sz="1200" dirty="0">
+                <a:solidFill>
+                  <a:schemeClr val="dk1"/>
+                </a:solidFill>
+              </a:rPr>
+              <a:t>Awareness &amp; Training - AWS trains AWS employees, but a customer must train their own employees.</a:t>
+            </a:r>
+            <a:endParaRPr sz="1200" dirty="0">
+              <a:solidFill>
+                <a:schemeClr val="dk1"/>
+              </a:solidFill>
+            </a:endParaRPr>
+          </a:p>
+          <a:p>
+            <a:pPr marL="0" lvl="0" indent="0" algn="l" rtl="0">
+              <a:spcBef>
+                <a:spcPts val="1100"/>
+              </a:spcBef>
+              <a:spcAft>
+                <a:spcPts val="0"/>
+              </a:spcAft>
+              <a:buNone/>
+            </a:pPr>
+            <a:r>
+              <a:rPr lang="en" sz="1200" dirty="0">
+                <a:solidFill>
+                  <a:srgbClr val="DD5540"/>
+                </a:solidFill>
+              </a:rPr>
+              <a:t>Customer Specific</a:t>
+            </a:r>
+            <a:r>
+              <a:rPr lang="en" sz="1200" dirty="0">
+                <a:solidFill>
+                  <a:schemeClr val="dk1"/>
+                </a:solidFill>
+              </a:rPr>
+              <a:t> – Controls which are solely the responsibility of the customer based on the application they are deploying within AWS services. Examples include:</a:t>
+            </a:r>
+            <a:endParaRPr sz="1200" dirty="0">
+              <a:solidFill>
+                <a:schemeClr val="dk1"/>
+              </a:solidFill>
+            </a:endParaRPr>
+          </a:p>
+          <a:p>
+            <a:pPr marL="482600" lvl="0" indent="-304800" algn="l" rtl="0">
+              <a:spcBef>
+                <a:spcPts val="1100"/>
+              </a:spcBef>
+              <a:spcAft>
+                <a:spcPts val="0"/>
+              </a:spcAft>
+              <a:buClr>
+                <a:schemeClr val="dk1"/>
+              </a:buClr>
+              <a:buSzPts val="1200"/>
+              <a:buChar char="●"/>
+            </a:pPr>
+            <a:r>
+              <a:rPr lang="en" sz="1200" dirty="0">
+                <a:solidFill>
+                  <a:schemeClr val="dk1"/>
+                </a:solidFill>
+              </a:rPr>
+              <a:t>Service and Communications Protection or Zone Security which may require a customer to route or zone data within specific security environments.</a:t>
+            </a:r>
+            <a:endParaRPr sz="1200" dirty="0">
+              <a:solidFill>
+                <a:schemeClr val="dk1"/>
+              </a:solidFill>
+            </a:endParaRPr>
+          </a:p>
+          <a:p>
+            <a:pPr marL="0" lvl="0" indent="0" algn="l" rtl="0">
+              <a:spcBef>
+                <a:spcPts val="0"/>
+              </a:spcBef>
+              <a:spcAft>
+                <a:spcPts val="1200"/>
+              </a:spcAft>
+              <a:buNone/>
+            </a:pPr>
+            <a:endParaRPr sz="1200" dirty="0">
+              <a:solidFill>
+                <a:schemeClr val="dk1"/>
+              </a:solidFill>
+            </a:endParaRPr>
+          </a:p>
+        </p:txBody>
+      </p:sp>
+    </p:spTree>
+  </p:cSld>
+  <p:clrMapOvr>
+    <a:masterClrMapping/>
+  </p:clrMapOvr>
+</p:sld>
+</file>
+
+<file path=ppt/slides/slide11.xml><?xml version="1.0" encoding="utf-8"?>
+<p:sld xmlns:a="http://schemas.openxmlformats.org/drawingml/2006/main" xmlns:r="http://schemas.openxmlformats.org/officeDocument/2006/relationships" xmlns:p="http://schemas.openxmlformats.org/presentationml/2006/main">
+  <p:cSld>
+    <p:spTree>
+      <p:nvGrpSpPr>
         <p:cNvPr id="1" name="Shape 117"/>
         <p:cNvGrpSpPr/>
         <p:nvPr/>
@@ -6403,6 +6749,526 @@
 <file path=ppt/slides/slide2.xml><?xml version="1.0" encoding="utf-8"?>
 <p:sld xmlns:a="http://schemas.openxmlformats.org/drawingml/2006/main" xmlns:r="http://schemas.openxmlformats.org/officeDocument/2006/relationships" xmlns:p="http://schemas.openxmlformats.org/presentationml/2006/main">
   <p:cSld>
+    <p:bg>
+      <p:bgPr>
+        <a:solidFill>
+          <a:schemeClr val="bg2"/>
+        </a:solidFill>
+        <a:effectLst/>
+      </p:bgPr>
+    </p:bg>
+    <p:spTree>
+      <p:nvGrpSpPr>
+        <p:cNvPr id="1" name=""/>
+        <p:cNvGrpSpPr/>
+        <p:nvPr/>
+      </p:nvGrpSpPr>
+      <p:grpSpPr>
+        <a:xfrm>
+          <a:off x="0" y="0"/>
+          <a:ext cx="0" cy="0"/>
+          <a:chOff x="0" y="0"/>
+          <a:chExt cx="0" cy="0"/>
+        </a:xfrm>
+      </p:grpSpPr>
+      <p:grpSp>
+        <p:nvGrpSpPr>
+          <p:cNvPr id="10" name="Group 9">
+            <a:extLst>
+              <a:ext uri="{FF2B5EF4-FFF2-40B4-BE49-F238E27FC236}">
+                <a16:creationId xmlns:a16="http://schemas.microsoft.com/office/drawing/2014/main" id="{449BC34D-9C23-4D6D-8213-1F471AF85B3F}"/>
+              </a:ext>
+              <a:ext uri="{C183D7F6-B498-43B3-948B-1728B52AA6E4}">
+                <adec:decorative xmlns:adec="http://schemas.microsoft.com/office/drawing/2017/decorative" val="1"/>
+              </a:ext>
+            </a:extLst>
+          </p:cNvPr>
+          <p:cNvGrpSpPr>
+            <a:grpSpLocks noGrp="1" noUngrp="1" noRot="1" noChangeAspect="1" noMove="1" noResize="1"/>
+          </p:cNvGrpSpPr>
+          <p:nvPr>
+            <p:extLst>
+              <p:ext uri="{386F3935-93C4-4BCD-93E2-E3B085C9AB24}">
+                <p16:designElem xmlns:p16="http://schemas.microsoft.com/office/powerpoint/2015/main" val="1"/>
+              </p:ext>
+            </p:extLst>
+          </p:nvPr>
+        </p:nvGrpSpPr>
+        <p:grpSpPr>
+          <a:xfrm>
+            <a:off x="564643" y="558351"/>
+            <a:ext cx="8005589" cy="4012254"/>
+            <a:chOff x="752858" y="744469"/>
+            <a:chExt cx="10674117" cy="5349671"/>
+          </a:xfrm>
+        </p:grpSpPr>
+        <p:sp>
+          <p:nvSpPr>
+            <p:cNvPr id="11" name="Freeform 6">
+              <a:extLst>
+                <a:ext uri="{FF2B5EF4-FFF2-40B4-BE49-F238E27FC236}">
+                  <a16:creationId xmlns:a16="http://schemas.microsoft.com/office/drawing/2014/main" id="{FA0F5D6C-5025-4D7E-82DD-C2C6FDA1E759}"/>
+                </a:ext>
+                <a:ext uri="{C183D7F6-B498-43B3-948B-1728B52AA6E4}">
+                  <adec:decorative xmlns:adec="http://schemas.microsoft.com/office/drawing/2017/decorative" val="1"/>
+                </a:ext>
+              </a:extLst>
+            </p:cNvPr>
+            <p:cNvSpPr/>
+            <p:nvPr>
+              <p:extLst>
+                <p:ext uri="{386F3935-93C4-4BCD-93E2-E3B085C9AB24}">
+                  <p16:designElem xmlns:p16="http://schemas.microsoft.com/office/powerpoint/2015/main" val="1"/>
+                </p:ext>
+              </p:extLst>
+            </p:nvPr>
+          </p:nvSpPr>
+          <p:spPr bwMode="auto">
+            <a:xfrm>
+              <a:off x="8151962" y="1685652"/>
+              <a:ext cx="3275013" cy="4408488"/>
+            </a:xfrm>
+            <a:custGeom>
+              <a:avLst/>
+              <a:gdLst/>
+              <a:ahLst/>
+              <a:cxnLst/>
+              <a:rect l="l" t="t" r="r" b="b"/>
+              <a:pathLst>
+                <a:path w="10000" h="10000">
+                  <a:moveTo>
+                    <a:pt x="8761" y="0"/>
+                  </a:moveTo>
+                  <a:lnTo>
+                    <a:pt x="10000" y="0"/>
+                  </a:lnTo>
+                  <a:lnTo>
+                    <a:pt x="10000" y="10000"/>
+                  </a:lnTo>
+                  <a:lnTo>
+                    <a:pt x="0" y="10000"/>
+                  </a:lnTo>
+                  <a:lnTo>
+                    <a:pt x="0" y="9126"/>
+                  </a:lnTo>
+                  <a:lnTo>
+                    <a:pt x="8761" y="9127"/>
+                  </a:lnTo>
+                  <a:lnTo>
+                    <a:pt x="8761" y="0"/>
+                  </a:lnTo>
+                  <a:close/>
+                </a:path>
+              </a:pathLst>
+            </a:custGeom>
+            <a:solidFill>
+              <a:schemeClr val="tx2"/>
+            </a:solidFill>
+            <a:ln w="0">
+              <a:noFill/>
+              <a:prstDash val="solid"/>
+              <a:round/>
+              <a:headEnd/>
+              <a:tailEnd/>
+            </a:ln>
+          </p:spPr>
+          <p:txBody>
+            <a:bodyPr/>
+            <a:lstStyle/>
+            <a:p>
+              <a:endParaRPr lang="en-CH"/>
+            </a:p>
+          </p:txBody>
+        </p:sp>
+        <p:sp>
+          <p:nvSpPr>
+            <p:cNvPr id="12" name="Freeform 6">
+              <a:extLst>
+                <a:ext uri="{FF2B5EF4-FFF2-40B4-BE49-F238E27FC236}">
+                  <a16:creationId xmlns:a16="http://schemas.microsoft.com/office/drawing/2014/main" id="{E2AF2C17-4AB4-4402-B84B-129EF95D161C}"/>
+                </a:ext>
+                <a:ext uri="{C183D7F6-B498-43B3-948B-1728B52AA6E4}">
+                  <adec:decorative xmlns:adec="http://schemas.microsoft.com/office/drawing/2017/decorative" val="1"/>
+                </a:ext>
+              </a:extLst>
+            </p:cNvPr>
+            <p:cNvSpPr/>
+            <p:nvPr>
+              <p:extLst>
+                <p:ext uri="{386F3935-93C4-4BCD-93E2-E3B085C9AB24}">
+                  <p16:designElem xmlns:p16="http://schemas.microsoft.com/office/powerpoint/2015/main" val="1"/>
+                </p:ext>
+              </p:extLst>
+            </p:nvPr>
+          </p:nvSpPr>
+          <p:spPr bwMode="auto">
+            <a:xfrm flipH="1" flipV="1">
+              <a:off x="752858" y="744469"/>
+              <a:ext cx="3275668" cy="4408488"/>
+            </a:xfrm>
+            <a:custGeom>
+              <a:avLst/>
+              <a:gdLst/>
+              <a:ahLst/>
+              <a:cxnLst/>
+              <a:rect l="l" t="t" r="r" b="b"/>
+              <a:pathLst>
+                <a:path w="10002" h="10000">
+                  <a:moveTo>
+                    <a:pt x="8763" y="0"/>
+                  </a:moveTo>
+                  <a:lnTo>
+                    <a:pt x="10002" y="0"/>
+                  </a:lnTo>
+                  <a:lnTo>
+                    <a:pt x="10002" y="10000"/>
+                  </a:lnTo>
+                  <a:lnTo>
+                    <a:pt x="2" y="10000"/>
+                  </a:lnTo>
+                  <a:cubicBezTo>
+                    <a:pt x="-2" y="9698"/>
+                    <a:pt x="4" y="9427"/>
+                    <a:pt x="0" y="9125"/>
+                  </a:cubicBezTo>
+                  <a:lnTo>
+                    <a:pt x="8763" y="9128"/>
+                  </a:lnTo>
+                  <a:lnTo>
+                    <a:pt x="8763" y="0"/>
+                  </a:lnTo>
+                  <a:close/>
+                </a:path>
+              </a:pathLst>
+            </a:custGeom>
+            <a:solidFill>
+              <a:schemeClr val="tx2"/>
+            </a:solidFill>
+            <a:ln w="0">
+              <a:noFill/>
+              <a:prstDash val="solid"/>
+              <a:round/>
+              <a:headEnd/>
+              <a:tailEnd/>
+            </a:ln>
+          </p:spPr>
+          <p:txBody>
+            <a:bodyPr/>
+            <a:lstStyle/>
+            <a:p>
+              <a:endParaRPr lang="en-CH"/>
+            </a:p>
+          </p:txBody>
+        </p:sp>
+      </p:grpSp>
+      <p:sp useBgFill="1">
+        <p:nvSpPr>
+          <p:cNvPr id="14" name="Rectangle 13">
+            <a:extLst>
+              <a:ext uri="{FF2B5EF4-FFF2-40B4-BE49-F238E27FC236}">
+                <a16:creationId xmlns:a16="http://schemas.microsoft.com/office/drawing/2014/main" id="{1F9A0C1C-8ABC-401B-8FE9-AC9327C4C587}"/>
+              </a:ext>
+              <a:ext uri="{C183D7F6-B498-43B3-948B-1728B52AA6E4}">
+                <adec:decorative xmlns:adec="http://schemas.microsoft.com/office/drawing/2017/decorative" val="1"/>
+              </a:ext>
+            </a:extLst>
+          </p:cNvPr>
+          <p:cNvSpPr>
+            <a:spLocks noGrp="1" noRot="1" noChangeAspect="1" noMove="1" noResize="1" noEditPoints="1" noAdjustHandles="1" noChangeArrowheads="1" noChangeShapeType="1" noTextEdit="1"/>
+          </p:cNvSpPr>
+          <p:nvPr>
+            <p:extLst>
+              <p:ext uri="{386F3935-93C4-4BCD-93E2-E3B085C9AB24}">
+                <p16:designElem xmlns:p16="http://schemas.microsoft.com/office/powerpoint/2015/main" val="1"/>
+              </p:ext>
+            </p:extLst>
+          </p:nvPr>
+        </p:nvSpPr>
+        <p:spPr>
+          <a:xfrm>
+            <a:off x="0" y="0"/>
+            <a:ext cx="9144000" cy="5143500"/>
+          </a:xfrm>
+          <a:prstGeom prst="rect">
+            <a:avLst/>
+          </a:prstGeom>
+          <a:ln>
+            <a:noFill/>
+          </a:ln>
+        </p:spPr>
+        <p:style>
+          <a:lnRef idx="2">
+            <a:schemeClr val="accent1">
+              <a:shade val="50000"/>
+            </a:schemeClr>
+          </a:lnRef>
+          <a:fillRef idx="1001">
+            <a:schemeClr val="lt2"/>
+          </a:fillRef>
+          <a:effectRef idx="0">
+            <a:schemeClr val="accent1"/>
+          </a:effectRef>
+          <a:fontRef idx="minor">
+            <a:schemeClr val="lt1"/>
+          </a:fontRef>
+        </p:style>
+        <p:txBody>
+          <a:bodyPr rtlCol="0" anchor="ctr"/>
+          <a:lstStyle/>
+          <a:p>
+            <a:pPr algn="ctr"/>
+            <a:endParaRPr lang="en-US"/>
+          </a:p>
+        </p:txBody>
+      </p:sp>
+      <p:sp>
+        <p:nvSpPr>
+          <p:cNvPr id="2" name="Title 1">
+            <a:extLst>
+              <a:ext uri="{FF2B5EF4-FFF2-40B4-BE49-F238E27FC236}">
+                <a16:creationId xmlns:a16="http://schemas.microsoft.com/office/drawing/2014/main" id="{F75757BB-8D9F-A7FF-14D9-23A46D4EFEC7}"/>
+              </a:ext>
+            </a:extLst>
+          </p:cNvPr>
+          <p:cNvSpPr>
+            <a:spLocks noGrp="1"/>
+          </p:cNvSpPr>
+          <p:nvPr>
+            <p:ph type="title"/>
+          </p:nvPr>
+        </p:nvSpPr>
+        <p:spPr>
+          <a:xfrm>
+            <a:off x="6115639" y="475521"/>
+            <a:ext cx="2516957" cy="2799626"/>
+          </a:xfrm>
+        </p:spPr>
+        <p:txBody>
+          <a:bodyPr vert="horz" lIns="91440" tIns="45720" rIns="91440" bIns="45720" rtlCol="0" anchor="b">
+            <a:normAutofit/>
+          </a:bodyPr>
+          <a:lstStyle/>
+          <a:p>
+            <a:pPr algn="ctr" defTabSz="914400">
+              <a:spcBef>
+                <a:spcPct val="0"/>
+              </a:spcBef>
+            </a:pPr>
+            <a:r>
+              <a:rPr lang="en-US" sz="2500" cap="all"/>
+              <a:t>AWS Certifications</a:t>
+            </a:r>
+          </a:p>
+        </p:txBody>
+      </p:sp>
+      <p:sp>
+        <p:nvSpPr>
+          <p:cNvPr id="16" name="Freeform 6">
+            <a:extLst>
+              <a:ext uri="{FF2B5EF4-FFF2-40B4-BE49-F238E27FC236}">
+                <a16:creationId xmlns:a16="http://schemas.microsoft.com/office/drawing/2014/main" id="{BA5783C3-2F96-40A7-A24F-30CB07AA3928}"/>
+              </a:ext>
+              <a:ext uri="{C183D7F6-B498-43B3-948B-1728B52AA6E4}">
+                <adec:decorative xmlns:adec="http://schemas.microsoft.com/office/drawing/2017/decorative" val="1"/>
+              </a:ext>
+            </a:extLst>
+          </p:cNvPr>
+          <p:cNvSpPr>
+            <a:spLocks noGrp="1" noRot="1" noChangeAspect="1" noMove="1" noResize="1" noEditPoints="1" noAdjustHandles="1" noChangeArrowheads="1" noChangeShapeType="1" noTextEdit="1"/>
+          </p:cNvSpPr>
+          <p:nvPr>
+            <p:extLst>
+              <p:ext uri="{386F3935-93C4-4BCD-93E2-E3B085C9AB24}">
+                <p16:designElem xmlns:p16="http://schemas.microsoft.com/office/powerpoint/2015/main" val="1"/>
+              </p:ext>
+            </p:extLst>
+          </p:nvPr>
+        </p:nvSpPr>
+        <p:spPr bwMode="auto">
+          <a:xfrm flipH="1" flipV="1">
+            <a:off x="486872" y="475521"/>
+            <a:ext cx="2456751" cy="3306366"/>
+          </a:xfrm>
+          <a:custGeom>
+            <a:avLst/>
+            <a:gdLst/>
+            <a:ahLst/>
+            <a:cxnLst/>
+            <a:rect l="l" t="t" r="r" b="b"/>
+            <a:pathLst>
+              <a:path w="10002" h="10000">
+                <a:moveTo>
+                  <a:pt x="8763" y="0"/>
+                </a:moveTo>
+                <a:lnTo>
+                  <a:pt x="10002" y="0"/>
+                </a:lnTo>
+                <a:lnTo>
+                  <a:pt x="10002" y="10000"/>
+                </a:lnTo>
+                <a:lnTo>
+                  <a:pt x="2" y="10000"/>
+                </a:lnTo>
+                <a:cubicBezTo>
+                  <a:pt x="-2" y="9698"/>
+                  <a:pt x="4" y="9427"/>
+                  <a:pt x="0" y="9125"/>
+                </a:cubicBezTo>
+                <a:lnTo>
+                  <a:pt x="8763" y="9128"/>
+                </a:lnTo>
+                <a:lnTo>
+                  <a:pt x="8763" y="0"/>
+                </a:lnTo>
+                <a:close/>
+              </a:path>
+            </a:pathLst>
+          </a:custGeom>
+          <a:solidFill>
+            <a:schemeClr val="tx2"/>
+          </a:solidFill>
+          <a:ln w="0">
+            <a:noFill/>
+            <a:prstDash val="solid"/>
+            <a:round/>
+            <a:headEnd/>
+            <a:tailEnd/>
+          </a:ln>
+        </p:spPr>
+        <p:txBody>
+          <a:bodyPr/>
+          <a:lstStyle/>
+          <a:p>
+            <a:endParaRPr lang="en-CH"/>
+          </a:p>
+        </p:txBody>
+      </p:sp>
+      <p:sp>
+        <p:nvSpPr>
+          <p:cNvPr id="18" name="Freeform 6">
+            <a:extLst>
+              <a:ext uri="{FF2B5EF4-FFF2-40B4-BE49-F238E27FC236}">
+                <a16:creationId xmlns:a16="http://schemas.microsoft.com/office/drawing/2014/main" id="{A9D08DBA-0326-4C4E-ACFB-576F3ABDD2D0}"/>
+              </a:ext>
+              <a:ext uri="{C183D7F6-B498-43B3-948B-1728B52AA6E4}">
+                <adec:decorative xmlns:adec="http://schemas.microsoft.com/office/drawing/2017/decorative" val="1"/>
+              </a:ext>
+            </a:extLst>
+          </p:cNvPr>
+          <p:cNvSpPr>
+            <a:spLocks noGrp="1" noRot="1" noChangeAspect="1" noMove="1" noResize="1" noEditPoints="1" noAdjustHandles="1" noChangeArrowheads="1" noChangeShapeType="1" noTextEdit="1"/>
+          </p:cNvSpPr>
+          <p:nvPr>
+            <p:extLst>
+              <p:ext uri="{386F3935-93C4-4BCD-93E2-E3B085C9AB24}">
+                <p16:designElem xmlns:p16="http://schemas.microsoft.com/office/powerpoint/2015/main" val="1"/>
+              </p:ext>
+            </p:extLst>
+          </p:nvPr>
+        </p:nvSpPr>
+        <p:spPr bwMode="auto">
+          <a:xfrm>
+            <a:off x="3371002" y="1512462"/>
+            <a:ext cx="2456260" cy="3306366"/>
+          </a:xfrm>
+          <a:custGeom>
+            <a:avLst/>
+            <a:gdLst/>
+            <a:ahLst/>
+            <a:cxnLst/>
+            <a:rect l="l" t="t" r="r" b="b"/>
+            <a:pathLst>
+              <a:path w="10000" h="10000">
+                <a:moveTo>
+                  <a:pt x="8761" y="0"/>
+                </a:moveTo>
+                <a:lnTo>
+                  <a:pt x="10000" y="0"/>
+                </a:lnTo>
+                <a:lnTo>
+                  <a:pt x="10000" y="10000"/>
+                </a:lnTo>
+                <a:lnTo>
+                  <a:pt x="0" y="10000"/>
+                </a:lnTo>
+                <a:lnTo>
+                  <a:pt x="0" y="9126"/>
+                </a:lnTo>
+                <a:lnTo>
+                  <a:pt x="8761" y="9127"/>
+                </a:lnTo>
+                <a:lnTo>
+                  <a:pt x="8761" y="0"/>
+                </a:lnTo>
+                <a:close/>
+              </a:path>
+            </a:pathLst>
+          </a:custGeom>
+          <a:solidFill>
+            <a:schemeClr val="tx2"/>
+          </a:solidFill>
+          <a:ln w="0">
+            <a:noFill/>
+            <a:prstDash val="solid"/>
+            <a:round/>
+            <a:headEnd/>
+            <a:tailEnd/>
+          </a:ln>
+        </p:spPr>
+        <p:txBody>
+          <a:bodyPr/>
+          <a:lstStyle/>
+          <a:p>
+            <a:endParaRPr lang="en-CH"/>
+          </a:p>
+        </p:txBody>
+      </p:sp>
+      <p:pic>
+        <p:nvPicPr>
+          <p:cNvPr id="5" name="Picture 4" descr="A screenshot of a company profile&#10;&#10;Description automatically generated">
+            <a:extLst>
+              <a:ext uri="{FF2B5EF4-FFF2-40B4-BE49-F238E27FC236}">
+                <a16:creationId xmlns:a16="http://schemas.microsoft.com/office/drawing/2014/main" id="{B2639312-15DF-0D69-BCE6-27069C14C70A}"/>
+              </a:ext>
+            </a:extLst>
+          </p:cNvPr>
+          <p:cNvPicPr>
+            <a:picLocks noChangeAspect="1"/>
+          </p:cNvPicPr>
+          <p:nvPr/>
+        </p:nvPicPr>
+        <p:blipFill>
+          <a:blip r:embed="rId2"/>
+          <a:stretch>
+            <a:fillRect/>
+          </a:stretch>
+        </p:blipFill>
+        <p:spPr>
+          <a:xfrm>
+            <a:off x="1105454" y="1005630"/>
+            <a:ext cx="4102042" cy="3281633"/>
+          </a:xfrm>
+          <a:prstGeom prst="rect">
+            <a:avLst/>
+          </a:prstGeom>
+        </p:spPr>
+      </p:pic>
+    </p:spTree>
+    <p:extLst>
+      <p:ext uri="{BB962C8B-B14F-4D97-AF65-F5344CB8AC3E}">
+        <p14:creationId xmlns:p14="http://schemas.microsoft.com/office/powerpoint/2010/main" val="1970341336"/>
+      </p:ext>
+    </p:extLst>
+  </p:cSld>
+  <p:clrMapOvr>
+    <a:masterClrMapping/>
+  </p:clrMapOvr>
+</p:sld>
+</file>
+
+<file path=ppt/slides/slide3.xml><?xml version="1.0" encoding="utf-8"?>
+<p:sld xmlns:a="http://schemas.openxmlformats.org/drawingml/2006/main" xmlns:r="http://schemas.openxmlformats.org/officeDocument/2006/relationships" xmlns:p="http://schemas.openxmlformats.org/presentationml/2006/main">
+  <p:cSld>
     <p:spTree>
       <p:nvGrpSpPr>
         <p:cNvPr id="1" name="Shape 59"/>
@@ -6494,7 +7360,7 @@
 </p:sld>
 </file>
 
-<file path=ppt/slides/slide3.xml><?xml version="1.0" encoding="utf-8"?>
+<file path=ppt/slides/slide4.xml><?xml version="1.0" encoding="utf-8"?>
 <p:sld xmlns:a="http://schemas.openxmlformats.org/drawingml/2006/main" xmlns:r="http://schemas.openxmlformats.org/officeDocument/2006/relationships" xmlns:p="http://schemas.openxmlformats.org/presentationml/2006/main">
   <p:cSld>
     <p:spTree>
@@ -6840,7 +7706,7 @@
 </p:sld>
 </file>
 
-<file path=ppt/slides/slide4.xml><?xml version="1.0" encoding="utf-8"?>
+<file path=ppt/slides/slide5.xml><?xml version="1.0" encoding="utf-8"?>
 <p:sld xmlns:a="http://schemas.openxmlformats.org/drawingml/2006/main" xmlns:r="http://schemas.openxmlformats.org/officeDocument/2006/relationships" xmlns:p="http://schemas.openxmlformats.org/presentationml/2006/main">
   <p:cSld>
     <p:spTree>
@@ -7319,7 +8185,7 @@
 </p:sld>
 </file>
 
-<file path=ppt/slides/slide5.xml><?xml version="1.0" encoding="utf-8"?>
+<file path=ppt/slides/slide6.xml><?xml version="1.0" encoding="utf-8"?>
 <p:sld xmlns:a="http://schemas.openxmlformats.org/drawingml/2006/main" xmlns:r="http://schemas.openxmlformats.org/officeDocument/2006/relationships" xmlns:p="http://schemas.openxmlformats.org/presentationml/2006/main">
   <p:cSld>
     <p:spTree>
@@ -7769,7 +8635,7 @@
 </p:sld>
 </file>
 
-<file path=ppt/slides/slide6.xml><?xml version="1.0" encoding="utf-8"?>
+<file path=ppt/slides/slide7.xml><?xml version="1.0" encoding="utf-8"?>
 <p:sld xmlns:a="http://schemas.openxmlformats.org/drawingml/2006/main" xmlns:r="http://schemas.openxmlformats.org/officeDocument/2006/relationships" xmlns:p="http://schemas.openxmlformats.org/presentationml/2006/main">
   <p:cSld>
     <p:spTree>
@@ -8068,7 +8934,7 @@
 </p:sld>
 </file>
 
-<file path=ppt/slides/slide7.xml><?xml version="1.0" encoding="utf-8"?>
+<file path=ppt/slides/slide8.xml><?xml version="1.0" encoding="utf-8"?>
 <p:sld xmlns:a="http://schemas.openxmlformats.org/drawingml/2006/main" xmlns:r="http://schemas.openxmlformats.org/officeDocument/2006/relationships" xmlns:p="http://schemas.openxmlformats.org/presentationml/2006/main">
   <p:cSld>
     <p:spTree>
@@ -8327,7 +9193,7 @@
 </p:sld>
 </file>
 
-<file path=ppt/slides/slide8.xml><?xml version="1.0" encoding="utf-8"?>
+<file path=ppt/slides/slide9.xml><?xml version="1.0" encoding="utf-8"?>
 <p:sld xmlns:a="http://schemas.openxmlformats.org/drawingml/2006/main" xmlns:r="http://schemas.openxmlformats.org/officeDocument/2006/relationships" xmlns:p="http://schemas.openxmlformats.org/presentationml/2006/main">
   <p:cSld>
     <p:spTree>
@@ -8595,351 +9461,6 @@
           </a:ln>
         </p:spPr>
       </p:pic>
-    </p:spTree>
-  </p:cSld>
-  <p:clrMapOvr>
-    <a:masterClrMapping/>
-  </p:clrMapOvr>
-</p:sld>
-</file>
-
-<file path=ppt/slides/slide9.xml><?xml version="1.0" encoding="utf-8"?>
-<p:sld xmlns:a="http://schemas.openxmlformats.org/drawingml/2006/main" xmlns:r="http://schemas.openxmlformats.org/officeDocument/2006/relationships" xmlns:p="http://schemas.openxmlformats.org/presentationml/2006/main">
-  <p:cSld>
-    <p:spTree>
-      <p:nvGrpSpPr>
-        <p:cNvPr id="1" name="Shape 111"/>
-        <p:cNvGrpSpPr/>
-        <p:nvPr/>
-      </p:nvGrpSpPr>
-      <p:grpSpPr>
-        <a:xfrm>
-          <a:off x="0" y="0"/>
-          <a:ext cx="0" cy="0"/>
-          <a:chOff x="0" y="0"/>
-          <a:chExt cx="0" cy="0"/>
-        </a:xfrm>
-      </p:grpSpPr>
-      <p:sp>
-        <p:nvSpPr>
-          <p:cNvPr id="112" name="Google Shape;112;p21"/>
-          <p:cNvSpPr txBox="1">
-            <a:spLocks noGrp="1"/>
-          </p:cNvSpPr>
-          <p:nvPr>
-            <p:ph type="title"/>
-          </p:nvPr>
-        </p:nvSpPr>
-        <p:spPr>
-          <a:xfrm>
-            <a:off x="585576" y="192325"/>
-            <a:ext cx="8246724" cy="572700"/>
-          </a:xfrm>
-          <a:prstGeom prst="rect">
-            <a:avLst/>
-          </a:prstGeom>
-        </p:spPr>
-        <p:txBody>
-          <a:bodyPr spcFirstLastPara="1" wrap="square" lIns="91425" tIns="91425" rIns="91425" bIns="91425" anchor="t" anchorCtr="0">
-            <a:normAutofit fontScale="90000"/>
-          </a:bodyPr>
-          <a:lstStyle/>
-          <a:p>
-            <a:pPr marL="0" lvl="0" indent="0" algn="l" rtl="0">
-              <a:spcBef>
-                <a:spcPts val="0"/>
-              </a:spcBef>
-              <a:spcAft>
-                <a:spcPts val="0"/>
-              </a:spcAft>
-              <a:buNone/>
-            </a:pPr>
-            <a:r>
-              <a:rPr lang="en"/>
-              <a:t>Security</a:t>
-            </a:r>
-            <a:endParaRPr/>
-          </a:p>
-        </p:txBody>
-      </p:sp>
-      <p:sp>
-        <p:nvSpPr>
-          <p:cNvPr id="113" name="Google Shape;113;p21"/>
-          <p:cNvSpPr txBox="1">
-            <a:spLocks noGrp="1"/>
-          </p:cNvSpPr>
-          <p:nvPr>
-            <p:ph type="body" idx="1"/>
-          </p:nvPr>
-        </p:nvSpPr>
-        <p:spPr>
-          <a:xfrm>
-            <a:off x="725214" y="839350"/>
-            <a:ext cx="8107086" cy="3984600"/>
-          </a:xfrm>
-          <a:prstGeom prst="rect">
-            <a:avLst/>
-          </a:prstGeom>
-        </p:spPr>
-        <p:txBody>
-          <a:bodyPr spcFirstLastPara="1" wrap="square" lIns="91425" tIns="91425" rIns="91425" bIns="91425" anchor="t" anchorCtr="0">
-            <a:noAutofit/>
-          </a:bodyPr>
-          <a:lstStyle/>
-          <a:p>
-            <a:pPr marL="0" lvl="0" indent="0" algn="l" rtl="0">
-              <a:spcBef>
-                <a:spcPts val="1100"/>
-              </a:spcBef>
-              <a:spcAft>
-                <a:spcPts val="0"/>
-              </a:spcAft>
-              <a:buNone/>
-            </a:pPr>
-            <a:r>
-              <a:rPr lang="en" sz="1200" dirty="0">
-                <a:solidFill>
-                  <a:srgbClr val="DD5540"/>
-                </a:solidFill>
-              </a:rPr>
-              <a:t>Inherited Controls</a:t>
-            </a:r>
-            <a:r>
-              <a:rPr lang="en" sz="1200" dirty="0">
-                <a:solidFill>
-                  <a:schemeClr val="dk1"/>
-                </a:solidFill>
-              </a:rPr>
-              <a:t> – Controls which a customer fully inherits from AWS.</a:t>
-            </a:r>
-            <a:endParaRPr sz="1200" dirty="0">
-              <a:solidFill>
-                <a:schemeClr val="dk1"/>
-              </a:solidFill>
-            </a:endParaRPr>
-          </a:p>
-          <a:p>
-            <a:pPr marL="482600" lvl="0" indent="-304800" algn="l" rtl="0">
-              <a:spcBef>
-                <a:spcPts val="1100"/>
-              </a:spcBef>
-              <a:spcAft>
-                <a:spcPts val="0"/>
-              </a:spcAft>
-              <a:buClr>
-                <a:schemeClr val="dk1"/>
-              </a:buClr>
-              <a:buSzPts val="1200"/>
-              <a:buChar char="●"/>
-            </a:pPr>
-            <a:r>
-              <a:rPr lang="en" sz="1200" dirty="0">
-                <a:solidFill>
-                  <a:schemeClr val="dk1"/>
-                </a:solidFill>
-              </a:rPr>
-              <a:t>Physical and Environmental controls</a:t>
-            </a:r>
-            <a:endParaRPr sz="1200" dirty="0">
-              <a:solidFill>
-                <a:schemeClr val="dk1"/>
-              </a:solidFill>
-            </a:endParaRPr>
-          </a:p>
-          <a:p>
-            <a:pPr marL="0" lvl="0" indent="0" algn="l" rtl="0">
-              <a:spcBef>
-                <a:spcPts val="1100"/>
-              </a:spcBef>
-              <a:spcAft>
-                <a:spcPts val="0"/>
-              </a:spcAft>
-              <a:buNone/>
-            </a:pPr>
-            <a:r>
-              <a:rPr lang="en" sz="1200" dirty="0">
-                <a:solidFill>
-                  <a:srgbClr val="DD5540"/>
-                </a:solidFill>
-              </a:rPr>
-              <a:t>Shared Controls</a:t>
-            </a:r>
-            <a:r>
-              <a:rPr lang="en" sz="1200" dirty="0">
-                <a:solidFill>
-                  <a:schemeClr val="dk1"/>
-                </a:solidFill>
-              </a:rPr>
-              <a:t> – Controls which apply to both the infrastructure layer and customer layers, but in completely separate contexts or perspectives. In a shared control, AWS provides the requirements for the infrastructure and the customer must provide their own control implementation within their use of AWS services. Examples include:</a:t>
-            </a:r>
-            <a:endParaRPr sz="1200" dirty="0">
-              <a:solidFill>
-                <a:schemeClr val="dk1"/>
-              </a:solidFill>
-            </a:endParaRPr>
-          </a:p>
-          <a:p>
-            <a:pPr marL="482600" lvl="0" indent="-304800" algn="l" rtl="0">
-              <a:spcBef>
-                <a:spcPts val="1100"/>
-              </a:spcBef>
-              <a:spcAft>
-                <a:spcPts val="0"/>
-              </a:spcAft>
-              <a:buClr>
-                <a:schemeClr val="dk1"/>
-              </a:buClr>
-              <a:buSzPts val="1200"/>
-              <a:buChar char="●"/>
-            </a:pPr>
-            <a:r>
-              <a:rPr lang="en" sz="1200" dirty="0">
-                <a:solidFill>
-                  <a:schemeClr val="dk1"/>
-                </a:solidFill>
-              </a:rPr>
-              <a:t>Patch Management – AWS is responsible for patching and fixing flaws within the infrastructure, but customers are responsible for patching their guest OS and applications.</a:t>
-            </a:r>
-            <a:endParaRPr sz="1200" dirty="0">
-              <a:solidFill>
-                <a:schemeClr val="dk1"/>
-              </a:solidFill>
-            </a:endParaRPr>
-          </a:p>
-          <a:p>
-            <a:pPr marL="482600" lvl="0" indent="-304800" algn="l" rtl="0">
-              <a:spcBef>
-                <a:spcPts val="0"/>
-              </a:spcBef>
-              <a:spcAft>
-                <a:spcPts val="0"/>
-              </a:spcAft>
-              <a:buClr>
-                <a:schemeClr val="dk1"/>
-              </a:buClr>
-              <a:buSzPts val="1200"/>
-              <a:buChar char="●"/>
-            </a:pPr>
-            <a:r>
-              <a:rPr lang="en" sz="1200" dirty="0">
-                <a:solidFill>
-                  <a:schemeClr val="dk1"/>
-                </a:solidFill>
-              </a:rPr>
-              <a:t>Configuration Management – AWS maintains the configuration of its infrastructure devices, but a customer is responsible for configuring their own guest operating systems, databases, and applications.</a:t>
-            </a:r>
-            <a:endParaRPr sz="1200" dirty="0">
-              <a:solidFill>
-                <a:schemeClr val="dk1"/>
-              </a:solidFill>
-            </a:endParaRPr>
-          </a:p>
-          <a:p>
-            <a:pPr marL="482600" lvl="0" indent="-304800" algn="l" rtl="0">
-              <a:spcBef>
-                <a:spcPts val="0"/>
-              </a:spcBef>
-              <a:spcAft>
-                <a:spcPts val="0"/>
-              </a:spcAft>
-              <a:buClr>
-                <a:schemeClr val="dk1"/>
-              </a:buClr>
-              <a:buSzPts val="1200"/>
-              <a:buChar char="●"/>
-            </a:pPr>
-            <a:r>
-              <a:rPr lang="en" sz="1200" dirty="0">
-                <a:solidFill>
-                  <a:schemeClr val="dk1"/>
-                </a:solidFill>
-              </a:rPr>
-              <a:t>Awareness &amp; Training - AWS trains AWS employees, but a customer must train their own employees.</a:t>
-            </a:r>
-            <a:endParaRPr sz="1200" dirty="0">
-              <a:solidFill>
-                <a:schemeClr val="dk1"/>
-              </a:solidFill>
-            </a:endParaRPr>
-          </a:p>
-          <a:p>
-            <a:pPr marL="0" lvl="0" indent="0" algn="l" rtl="0">
-              <a:spcBef>
-                <a:spcPts val="1100"/>
-              </a:spcBef>
-              <a:spcAft>
-                <a:spcPts val="0"/>
-              </a:spcAft>
-              <a:buNone/>
-            </a:pPr>
-            <a:r>
-              <a:rPr lang="en" sz="1200" dirty="0">
-                <a:solidFill>
-                  <a:srgbClr val="DD5540"/>
-                </a:solidFill>
-              </a:rPr>
-              <a:t>Customer Specific</a:t>
-            </a:r>
-            <a:r>
-              <a:rPr lang="en" sz="1200" dirty="0">
-                <a:solidFill>
-                  <a:schemeClr val="dk1"/>
-                </a:solidFill>
-              </a:rPr>
-              <a:t> – Controls which are solely the responsibility of the customer based on the application they are deploying within AWS services. Examples include:</a:t>
-            </a:r>
-            <a:endParaRPr sz="1200" dirty="0">
-              <a:solidFill>
-                <a:schemeClr val="dk1"/>
-              </a:solidFill>
-            </a:endParaRPr>
-          </a:p>
-          <a:p>
-            <a:pPr marL="482600" lvl="0" indent="-304800" algn="l" rtl="0">
-              <a:spcBef>
-                <a:spcPts val="1100"/>
-              </a:spcBef>
-              <a:spcAft>
-                <a:spcPts val="0"/>
-              </a:spcAft>
-              <a:buClr>
-                <a:schemeClr val="dk1"/>
-              </a:buClr>
-              <a:buSzPts val="1200"/>
-              <a:buChar char="●"/>
-            </a:pPr>
-            <a:r>
-              <a:rPr lang="en" sz="1200" dirty="0">
-                <a:solidFill>
-                  <a:schemeClr val="dk1"/>
-                </a:solidFill>
-              </a:rPr>
-              <a:t>Service and Communications Protection or Zone Security which may require a customer to route or zone data within specific security environments.</a:t>
-            </a:r>
-            <a:endParaRPr sz="1200" dirty="0">
-              <a:solidFill>
-                <a:schemeClr val="dk1"/>
-              </a:solidFill>
-            </a:endParaRPr>
-          </a:p>
-          <a:p>
-            <a:pPr marL="0" lvl="0" indent="0" algn="l" rtl="0">
-              <a:spcBef>
-                <a:spcPts val="0"/>
-              </a:spcBef>
-              <a:spcAft>
-                <a:spcPts val="1200"/>
-              </a:spcAft>
-              <a:buNone/>
-            </a:pPr>
-            <a:endParaRPr sz="1200" dirty="0">
-              <a:solidFill>
-                <a:schemeClr val="dk1"/>
-              </a:solidFill>
-            </a:endParaRPr>
-          </a:p>
-        </p:txBody>
-      </p:sp>
     </p:spTree>
   </p:cSld>
   <p:clrMapOvr>
